--- a/Slide_APCS/CH1 輸入輸出技巧.pptx
+++ b/Slide_APCS/CH1 輸入輸出技巧.pptx
@@ -11,6 +11,7 @@
     <p:sldId id="259" r:id="rId5"/>
     <p:sldId id="260" r:id="rId6"/>
     <p:sldId id="261" r:id="rId7"/>
+    <p:sldId id="262" r:id="rId8"/>
   </p:sldIdLst>
   <p:sldSz cx="12192000" cy="6858000"/>
   <p:notesSz cx="6858000" cy="9144000"/>
@@ -840,7 +841,7 @@
             <a:fld id="{B61BEF0D-F0BB-DE4B-95CE-6DB70DBA9567}" type="datetimeFigureOut">
               <a:rPr lang="en-US" dirty="0"/>
               <a:pPr/>
-              <a:t>7/20/19</a:t>
+              <a:t>7/30/19</a:t>
             </a:fld>
             <a:endParaRPr lang="en-US" dirty="0"/>
           </a:p>
@@ -1088,7 +1089,7 @@
             <a:fld id="{B61BEF0D-F0BB-DE4B-95CE-6DB70DBA9567}" type="datetimeFigureOut">
               <a:rPr lang="en-US" dirty="0"/>
               <a:pPr/>
-              <a:t>7/20/19</a:t>
+              <a:t>7/30/19</a:t>
             </a:fld>
             <a:endParaRPr lang="en-US" dirty="0"/>
           </a:p>
@@ -1399,7 +1400,7 @@
             <a:fld id="{B61BEF0D-F0BB-DE4B-95CE-6DB70DBA9567}" type="datetimeFigureOut">
               <a:rPr lang="en-US" dirty="0"/>
               <a:pPr/>
-              <a:t>7/20/19</a:t>
+              <a:t>7/30/19</a:t>
             </a:fld>
             <a:endParaRPr lang="en-US" dirty="0"/>
           </a:p>
@@ -1737,7 +1738,7 @@
             <a:fld id="{B61BEF0D-F0BB-DE4B-95CE-6DB70DBA9567}" type="datetimeFigureOut">
               <a:rPr lang="en-US" dirty="0"/>
               <a:pPr/>
-              <a:t>7/20/19</a:t>
+              <a:t>7/30/19</a:t>
             </a:fld>
             <a:endParaRPr lang="en-US" dirty="0"/>
           </a:p>
@@ -2048,7 +2049,7 @@
             <a:fld id="{B61BEF0D-F0BB-DE4B-95CE-6DB70DBA9567}" type="datetimeFigureOut">
               <a:rPr lang="en-US" dirty="0"/>
               <a:pPr/>
-              <a:t>7/20/19</a:t>
+              <a:t>7/30/19</a:t>
             </a:fld>
             <a:endParaRPr lang="en-US" dirty="0"/>
           </a:p>
@@ -2438,7 +2439,7 @@
             <a:fld id="{B61BEF0D-F0BB-DE4B-95CE-6DB70DBA9567}" type="datetimeFigureOut">
               <a:rPr lang="en-US" dirty="0"/>
               <a:pPr/>
-              <a:t>7/20/19</a:t>
+              <a:t>7/30/19</a:t>
             </a:fld>
             <a:endParaRPr lang="en-US" dirty="0"/>
           </a:p>
@@ -2604,7 +2605,7 @@
           <a:p>
             <a:fld id="{55C6B4A9-1611-4792-9094-5F34BCA07E0B}" type="datetimeFigureOut">
               <a:rPr lang="en-US" dirty="0"/>
-              <a:t>7/20/19</a:t>
+              <a:t>7/30/19</a:t>
             </a:fld>
             <a:endParaRPr lang="en-US" dirty="0"/>
           </a:p>
@@ -2780,7 +2781,7 @@
             <a:fld id="{B61BEF0D-F0BB-DE4B-95CE-6DB70DBA9567}" type="datetimeFigureOut">
               <a:rPr lang="en-US" dirty="0"/>
               <a:pPr/>
-              <a:t>7/20/19</a:t>
+              <a:t>7/30/19</a:t>
             </a:fld>
             <a:endParaRPr lang="en-US" dirty="0"/>
           </a:p>
@@ -2953,7 +2954,7 @@
             <a:fld id="{B61BEF0D-F0BB-DE4B-95CE-6DB70DBA9567}" type="datetimeFigureOut">
               <a:rPr lang="en-US" dirty="0"/>
               <a:pPr/>
-              <a:t>7/20/19</a:t>
+              <a:t>7/30/19</a:t>
             </a:fld>
             <a:endParaRPr lang="en-US" dirty="0"/>
           </a:p>
@@ -3197,7 +3198,7 @@
             <a:fld id="{B61BEF0D-F0BB-DE4B-95CE-6DB70DBA9567}" type="datetimeFigureOut">
               <a:rPr lang="en-US" dirty="0"/>
               <a:pPr/>
-              <a:t>7/20/19</a:t>
+              <a:t>7/30/19</a:t>
             </a:fld>
             <a:endParaRPr lang="en-US" dirty="0"/>
           </a:p>
@@ -3425,7 +3426,7 @@
           <a:p>
             <a:fld id="{EB712588-04B1-427B-82EE-E8DB90309F08}" type="datetimeFigureOut">
               <a:rPr lang="en-US" dirty="0"/>
-              <a:t>7/20/19</a:t>
+              <a:t>7/30/19</a:t>
             </a:fld>
             <a:endParaRPr lang="en-US" dirty="0"/>
           </a:p>
@@ -3795,7 +3796,7 @@
             <a:fld id="{B61BEF0D-F0BB-DE4B-95CE-6DB70DBA9567}" type="datetimeFigureOut">
               <a:rPr lang="en-US" dirty="0"/>
               <a:pPr/>
-              <a:t>7/20/19</a:t>
+              <a:t>7/30/19</a:t>
             </a:fld>
             <a:endParaRPr lang="en-US" dirty="0"/>
           </a:p>
@@ -3915,7 +3916,7 @@
             <a:fld id="{B61BEF0D-F0BB-DE4B-95CE-6DB70DBA9567}" type="datetimeFigureOut">
               <a:rPr lang="en-US" dirty="0"/>
               <a:pPr/>
-              <a:t>7/20/19</a:t>
+              <a:t>7/30/19</a:t>
             </a:fld>
             <a:endParaRPr lang="en-US" dirty="0"/>
           </a:p>
@@ -4007,7 +4008,7 @@
             <a:fld id="{B61BEF0D-F0BB-DE4B-95CE-6DB70DBA9567}" type="datetimeFigureOut">
               <a:rPr lang="en-US" dirty="0"/>
               <a:pPr/>
-              <a:t>7/20/19</a:t>
+              <a:t>7/30/19</a:t>
             </a:fld>
             <a:endParaRPr lang="en-US" dirty="0"/>
           </a:p>
@@ -4258,7 +4259,7 @@
           <a:p>
             <a:fld id="{42A54C80-263E-416B-A8E0-580EDEADCBDC}" type="datetimeFigureOut">
               <a:rPr lang="en-US" dirty="0"/>
-              <a:t>7/20/19</a:t>
+              <a:t>7/30/19</a:t>
             </a:fld>
             <a:endParaRPr lang="en-US" dirty="0"/>
           </a:p>
@@ -4517,7 +4518,7 @@
             <a:fld id="{B61BEF0D-F0BB-DE4B-95CE-6DB70DBA9567}" type="datetimeFigureOut">
               <a:rPr lang="en-US" dirty="0"/>
               <a:pPr/>
-              <a:t>7/20/19</a:t>
+              <a:t>7/30/19</a:t>
             </a:fld>
             <a:endParaRPr lang="en-US" dirty="0"/>
           </a:p>
@@ -5257,7 +5258,7 @@
             <a:fld id="{B61BEF0D-F0BB-DE4B-95CE-6DB70DBA9567}" type="datetimeFigureOut">
               <a:rPr lang="en-US" dirty="0"/>
               <a:pPr/>
-              <a:t>7/20/19</a:t>
+              <a:t>7/30/19</a:t>
             </a:fld>
             <a:endParaRPr lang="en-US" dirty="0"/>
           </a:p>
@@ -5888,6 +5889,17 @@
           <a:lstStyle/>
           <a:p>
             <a:r>
+              <a:rPr kumimoji="1" lang="en-US" altLang="zh-TW" dirty="0"/>
+              <a:t>ITSA /</a:t>
+            </a:r>
+            <a:r>
+              <a:rPr kumimoji="1" lang="en-US" altLang="zh-TW" dirty="0" err="1"/>
+              <a:t>ZeroJudge</a:t>
+            </a:r>
+            <a:br>
+              <a:rPr kumimoji="1" lang="en-US" altLang="zh-TW" dirty="0"/>
+            </a:br>
+            <a:r>
               <a:rPr kumimoji="1" lang="zh-TW" altLang="en-US" dirty="0"/>
               <a:t>資料輸入</a:t>
             </a:r>
@@ -5924,7 +5936,7 @@
         </p:blipFill>
         <p:spPr>
           <a:xfrm>
-            <a:off x="777347" y="1930400"/>
+            <a:off x="777347" y="2487448"/>
             <a:ext cx="8890000" cy="2908300"/>
           </a:xfrm>
           <a:prstGeom prst="rect">
@@ -5984,6 +5996,17 @@
           <a:lstStyle/>
           <a:p>
             <a:r>
+              <a:rPr kumimoji="1" lang="en-US" altLang="zh-TW" dirty="0"/>
+              <a:t>ITSA /</a:t>
+            </a:r>
+            <a:r>
+              <a:rPr kumimoji="1" lang="en-US" altLang="zh-TW" dirty="0" err="1"/>
+              <a:t>ZeroJudge</a:t>
+            </a:r>
+            <a:br>
+              <a:rPr kumimoji="1" lang="en-US" altLang="zh-TW" dirty="0"/>
+            </a:br>
+            <a:r>
               <a:rPr kumimoji="1" lang="zh-TW" altLang="en-US" dirty="0"/>
               <a:t>資料輸入</a:t>
             </a:r>
@@ -6033,7 +6056,7 @@
         </p:blipFill>
         <p:spPr>
           <a:xfrm>
-            <a:off x="832293" y="1930400"/>
+            <a:off x="677334" y="2755900"/>
             <a:ext cx="3657600" cy="1346200"/>
           </a:xfrm>
           <a:prstGeom prst="rect">
@@ -6093,6 +6116,17 @@
           <a:lstStyle/>
           <a:p>
             <a:r>
+              <a:rPr kumimoji="1" lang="en-US" altLang="zh-TW" dirty="0"/>
+              <a:t>ITSA /</a:t>
+            </a:r>
+            <a:r>
+              <a:rPr kumimoji="1" lang="en-US" altLang="zh-TW" dirty="0" err="1"/>
+              <a:t>ZeroJudge</a:t>
+            </a:r>
+            <a:br>
+              <a:rPr kumimoji="1" lang="en-US" altLang="zh-TW" dirty="0"/>
+            </a:br>
+            <a:r>
               <a:rPr kumimoji="1" lang="zh-TW" altLang="en-US" dirty="0"/>
               <a:t>資料輸入</a:t>
             </a:r>
@@ -6142,7 +6176,7 @@
         </p:blipFill>
         <p:spPr>
           <a:xfrm>
-            <a:off x="845645" y="1930400"/>
+            <a:off x="888508" y="2759075"/>
             <a:ext cx="7137400" cy="2057400"/>
           </a:xfrm>
           <a:prstGeom prst="rect">
@@ -6202,6 +6236,17 @@
           <a:lstStyle/>
           <a:p>
             <a:r>
+              <a:rPr kumimoji="1" lang="en-US" altLang="zh-TW" dirty="0"/>
+              <a:t>ITSA /</a:t>
+            </a:r>
+            <a:r>
+              <a:rPr kumimoji="1" lang="en-US" altLang="zh-TW" dirty="0" err="1"/>
+              <a:t>ZeroJudge</a:t>
+            </a:r>
+            <a:br>
+              <a:rPr kumimoji="1" lang="en-US" altLang="zh-TW" dirty="0"/>
+            </a:br>
+            <a:r>
               <a:rPr kumimoji="1" lang="zh-TW" altLang="en-US" dirty="0"/>
               <a:t>資料輸出</a:t>
             </a:r>
@@ -6235,7 +6280,7 @@
         </p:blipFill>
         <p:spPr>
           <a:xfrm>
-            <a:off x="677334" y="2324100"/>
+            <a:off x="805922" y="2667000"/>
             <a:ext cx="4699000" cy="1524000"/>
           </a:xfrm>
           <a:prstGeom prst="rect">
@@ -6295,6 +6340,86 @@
           <a:lstStyle/>
           <a:p>
             <a:r>
+              <a:rPr kumimoji="1" lang="en-US" altLang="zh-TW" dirty="0" err="1"/>
+              <a:t>LeetCode</a:t>
+            </a:r>
+            <a:br>
+              <a:rPr kumimoji="1" lang="en-US" altLang="zh-TW" dirty="0"/>
+            </a:br>
+            <a:r>
+              <a:rPr kumimoji="1" lang="zh-TW" altLang="en-US" dirty="0"/>
+              <a:t>資料輸入</a:t>
+            </a:r>
+            <a:r>
+              <a:rPr kumimoji="1" lang="en-US" altLang="zh-TW" dirty="0"/>
+              <a:t>: </a:t>
+            </a:r>
+            <a:r>
+              <a:rPr kumimoji="1" lang="zh-TW" altLang="en-US" dirty="0"/>
+              <a:t>不需要</a:t>
+            </a:r>
+          </a:p>
+        </p:txBody>
+      </p:sp>
+    </p:spTree>
+    <p:extLst>
+      <p:ext uri="{BB962C8B-B14F-4D97-AF65-F5344CB8AC3E}">
+        <p14:creationId xmlns:p14="http://schemas.microsoft.com/office/powerpoint/2010/main" val="2539542384"/>
+      </p:ext>
+    </p:extLst>
+  </p:cSld>
+  <p:clrMapOvr>
+    <a:masterClrMapping/>
+  </p:clrMapOvr>
+</p:sld>
+</file>
+
+<file path=ppt/slides/slide7.xml><?xml version="1.0" encoding="utf-8"?>
+<p:sld xmlns:a="http://schemas.openxmlformats.org/drawingml/2006/main" xmlns:r="http://schemas.openxmlformats.org/officeDocument/2006/relationships" xmlns:p="http://schemas.openxmlformats.org/presentationml/2006/main">
+  <p:cSld>
+    <p:spTree>
+      <p:nvGrpSpPr>
+        <p:cNvPr id="1" name=""/>
+        <p:cNvGrpSpPr/>
+        <p:nvPr/>
+      </p:nvGrpSpPr>
+      <p:grpSpPr>
+        <a:xfrm>
+          <a:off x="0" y="0"/>
+          <a:ext cx="0" cy="0"/>
+          <a:chOff x="0" y="0"/>
+          <a:chExt cx="0" cy="0"/>
+        </a:xfrm>
+      </p:grpSpPr>
+      <p:sp>
+        <p:nvSpPr>
+          <p:cNvPr id="2" name="標題 1">
+            <a:extLst>
+              <a:ext uri="{FF2B5EF4-FFF2-40B4-BE49-F238E27FC236}">
+                <a16:creationId xmlns:a16="http://schemas.microsoft.com/office/drawing/2014/main" id="{D8CBA398-4776-3046-8B79-DF01D45EA8DD}"/>
+              </a:ext>
+            </a:extLst>
+          </p:cNvPr>
+          <p:cNvSpPr>
+            <a:spLocks noGrp="1"/>
+          </p:cNvSpPr>
+          <p:nvPr>
+            <p:ph type="title"/>
+          </p:nvPr>
+        </p:nvSpPr>
+        <p:spPr/>
+        <p:txBody>
+          <a:bodyPr/>
+          <a:lstStyle/>
+          <a:p>
+            <a:r>
+              <a:rPr kumimoji="1" lang="en-US" altLang="zh-TW" dirty="0" err="1"/>
+              <a:t>LeetCode</a:t>
+            </a:r>
+            <a:br>
+              <a:rPr kumimoji="1" lang="en-US" altLang="zh-TW" dirty="0"/>
+            </a:br>
+            <a:r>
               <a:rPr kumimoji="1" lang="zh-TW" altLang="en-US" dirty="0"/>
               <a:t>資料輸出</a:t>
             </a:r>
@@ -6328,7 +6453,7 @@
         </p:blipFill>
         <p:spPr>
           <a:xfrm>
-            <a:off x="677334" y="2033587"/>
+            <a:off x="677334" y="2676525"/>
             <a:ext cx="5994400" cy="1790700"/>
           </a:xfrm>
           <a:prstGeom prst="rect">
@@ -6339,7 +6464,7 @@
     </p:spTree>
     <p:extLst>
       <p:ext uri="{BB962C8B-B14F-4D97-AF65-F5344CB8AC3E}">
-        <p14:creationId xmlns:p14="http://schemas.microsoft.com/office/powerpoint/2010/main" val="2539542384"/>
+        <p14:creationId xmlns:p14="http://schemas.microsoft.com/office/powerpoint/2010/main" val="1233100950"/>
       </p:ext>
     </p:extLst>
   </p:cSld>
